--- a/переферия/project.pptx
+++ b/переферия/project.pptx
@@ -250,7 +250,7 @@
           </a:bodyPr>
           <a:p>
             <a:pPr algn="r"/>
-            <a:fld id="{5E859BD6-07A8-458C-A0AF-1AC6E8021509}" type="slidenum">
+            <a:fld id="{7DCF08F6-F43F-4DED-B78D-ECDF44106B08}" type="slidenum">
               <a:rPr b="0" lang="ru-RU" sz="1400" spc="-1" strike="noStrike">
                 <a:latin typeface="Times New Roman"/>
               </a:rPr>
@@ -298,7 +298,7 @@
         <p:spPr>
           <a:xfrm>
             <a:off x="685800" y="1143000"/>
-            <a:ext cx="5484600" cy="3084480"/>
+            <a:ext cx="5484240" cy="3084120"/>
           </a:xfrm>
           <a:prstGeom prst="rect">
             <a:avLst/>
@@ -318,7 +318,7 @@
         <p:spPr>
           <a:xfrm>
             <a:off x="685800" y="4400640"/>
-            <a:ext cx="5484600" cy="3598560"/>
+            <a:ext cx="5484240" cy="3598200"/>
           </a:xfrm>
           <a:prstGeom prst="rect">
             <a:avLst/>
@@ -344,7 +344,7 @@
         <p:spPr>
           <a:xfrm>
             <a:off x="3884760" y="8685360"/>
-            <a:ext cx="2970000" cy="456840"/>
+            <a:ext cx="2969640" cy="456480"/>
           </a:xfrm>
           <a:prstGeom prst="rect">
             <a:avLst/>
@@ -370,7 +370,7 @@
                 <a:spcPct val="100000"/>
               </a:lnSpc>
             </a:pPr>
-            <a:fld id="{8177F136-15F7-4E26-A579-432C7A216F21}" type="slidenum">
+            <a:fld id="{DE0EE086-9531-48E1-A4E7-922FEF781704}" type="slidenum">
               <a:rPr b="0" lang="ru-RU" sz="1200" spc="-1" strike="noStrike">
                 <a:solidFill>
                   <a:srgbClr val="000000"/>
@@ -420,7 +420,7 @@
         <p:spPr>
           <a:xfrm>
             <a:off x="685800" y="1143000"/>
-            <a:ext cx="5484600" cy="3084480"/>
+            <a:ext cx="5484240" cy="3084120"/>
           </a:xfrm>
           <a:prstGeom prst="rect">
             <a:avLst/>
@@ -440,7 +440,7 @@
         <p:spPr>
           <a:xfrm>
             <a:off x="685800" y="4400640"/>
-            <a:ext cx="5484600" cy="3598560"/>
+            <a:ext cx="5484240" cy="3598200"/>
           </a:xfrm>
           <a:prstGeom prst="rect">
             <a:avLst/>
@@ -466,7 +466,7 @@
         <p:spPr>
           <a:xfrm>
             <a:off x="3884760" y="8685360"/>
-            <a:ext cx="2970000" cy="456840"/>
+            <a:ext cx="2969640" cy="456480"/>
           </a:xfrm>
           <a:prstGeom prst="rect">
             <a:avLst/>
@@ -492,7 +492,7 @@
                 <a:spcPct val="100000"/>
               </a:lnSpc>
             </a:pPr>
-            <a:fld id="{C9F6482F-C7F2-4900-8607-06D0AA1FB871}" type="slidenum">
+            <a:fld id="{0B3CF5C3-EDC8-40D9-A3BC-D88BBD7D1B7D}" type="slidenum">
               <a:rPr b="0" lang="ru-RU" sz="1200" spc="-1" strike="noStrike">
                 <a:solidFill>
                   <a:srgbClr val="000000"/>
@@ -542,7 +542,7 @@
         <p:spPr>
           <a:xfrm>
             <a:off x="685800" y="1143000"/>
-            <a:ext cx="5484600" cy="3084480"/>
+            <a:ext cx="5484240" cy="3084120"/>
           </a:xfrm>
           <a:prstGeom prst="rect">
             <a:avLst/>
@@ -562,7 +562,7 @@
         <p:spPr>
           <a:xfrm>
             <a:off x="685800" y="4400640"/>
-            <a:ext cx="5484600" cy="3598560"/>
+            <a:ext cx="5484240" cy="3598200"/>
           </a:xfrm>
           <a:prstGeom prst="rect">
             <a:avLst/>
@@ -588,7 +588,7 @@
         <p:spPr>
           <a:xfrm>
             <a:off x="3884760" y="8685360"/>
-            <a:ext cx="2970000" cy="456840"/>
+            <a:ext cx="2969640" cy="456480"/>
           </a:xfrm>
           <a:prstGeom prst="rect">
             <a:avLst/>
@@ -614,7 +614,7 @@
                 <a:spcPct val="100000"/>
               </a:lnSpc>
             </a:pPr>
-            <a:fld id="{39EE4CD4-21C4-4CCF-9994-092A1DBB0C66}" type="slidenum">
+            <a:fld id="{E54CD768-72AD-4B2E-A345-2A34D2717615}" type="slidenum">
               <a:rPr b="0" lang="ru-RU" sz="1200" spc="-1" strike="noStrike">
                 <a:solidFill>
                   <a:srgbClr val="000000"/>
@@ -664,7 +664,7 @@
         <p:spPr>
           <a:xfrm>
             <a:off x="685800" y="1143000"/>
-            <a:ext cx="5484600" cy="3084480"/>
+            <a:ext cx="5484240" cy="3084120"/>
           </a:xfrm>
           <a:prstGeom prst="rect">
             <a:avLst/>
@@ -684,7 +684,7 @@
         <p:spPr>
           <a:xfrm>
             <a:off x="685800" y="4400640"/>
-            <a:ext cx="5484600" cy="3598560"/>
+            <a:ext cx="5484240" cy="3598200"/>
           </a:xfrm>
           <a:prstGeom prst="rect">
             <a:avLst/>
@@ -710,7 +710,7 @@
         <p:spPr>
           <a:xfrm>
             <a:off x="3884760" y="8685360"/>
-            <a:ext cx="2970000" cy="456840"/>
+            <a:ext cx="2969640" cy="456480"/>
           </a:xfrm>
           <a:prstGeom prst="rect">
             <a:avLst/>
@@ -736,7 +736,7 @@
                 <a:spcPct val="100000"/>
               </a:lnSpc>
             </a:pPr>
-            <a:fld id="{97B117DC-014A-482C-B272-BBC09EFFA524}" type="slidenum">
+            <a:fld id="{0206DF88-AAFE-4211-B435-6389EFF3A317}" type="slidenum">
               <a:rPr b="0" lang="ru-RU" sz="1200" spc="-1" strike="noStrike">
                 <a:solidFill>
                   <a:srgbClr val="000000"/>
@@ -786,7 +786,7 @@
         <p:spPr>
           <a:xfrm>
             <a:off x="685800" y="1143000"/>
-            <a:ext cx="5484600" cy="3084480"/>
+            <a:ext cx="5484240" cy="3084120"/>
           </a:xfrm>
           <a:prstGeom prst="rect">
             <a:avLst/>
@@ -806,7 +806,7 @@
         <p:spPr>
           <a:xfrm>
             <a:off x="685800" y="4400640"/>
-            <a:ext cx="5484600" cy="3598560"/>
+            <a:ext cx="5484240" cy="3598200"/>
           </a:xfrm>
           <a:prstGeom prst="rect">
             <a:avLst/>
@@ -832,7 +832,7 @@
         <p:spPr>
           <a:xfrm>
             <a:off x="3884760" y="8685360"/>
-            <a:ext cx="2970000" cy="456840"/>
+            <a:ext cx="2969640" cy="456480"/>
           </a:xfrm>
           <a:prstGeom prst="rect">
             <a:avLst/>
@@ -858,7 +858,7 @@
                 <a:spcPct val="100000"/>
               </a:lnSpc>
             </a:pPr>
-            <a:fld id="{34AABD92-C637-42DA-8C95-85DD56A1FADB}" type="slidenum">
+            <a:fld id="{3E35437D-1DDD-4146-BDE4-9562CCA0F729}" type="slidenum">
               <a:rPr b="0" lang="ru-RU" sz="1200" spc="-1" strike="noStrike">
                 <a:solidFill>
                   <a:srgbClr val="000000"/>
@@ -908,7 +908,7 @@
         <p:spPr>
           <a:xfrm>
             <a:off x="685800" y="1143000"/>
-            <a:ext cx="5484600" cy="3084480"/>
+            <a:ext cx="5484240" cy="3084120"/>
           </a:xfrm>
           <a:prstGeom prst="rect">
             <a:avLst/>
@@ -928,7 +928,7 @@
         <p:spPr>
           <a:xfrm>
             <a:off x="685800" y="4400640"/>
-            <a:ext cx="5484600" cy="3598560"/>
+            <a:ext cx="5484240" cy="3598200"/>
           </a:xfrm>
           <a:prstGeom prst="rect">
             <a:avLst/>
@@ -954,7 +954,7 @@
         <p:spPr>
           <a:xfrm>
             <a:off x="3884760" y="8685360"/>
-            <a:ext cx="2970000" cy="456840"/>
+            <a:ext cx="2969640" cy="456480"/>
           </a:xfrm>
           <a:prstGeom prst="rect">
             <a:avLst/>
@@ -980,7 +980,7 @@
                 <a:spcPct val="100000"/>
               </a:lnSpc>
             </a:pPr>
-            <a:fld id="{A8D8D95C-D385-4380-87A1-F2F7694F3A36}" type="slidenum">
+            <a:fld id="{006029F7-AB89-4F81-AECB-54C417DE916C}" type="slidenum">
               <a:rPr b="0" lang="ru-RU" sz="1200" spc="-1" strike="noStrike">
                 <a:solidFill>
                   <a:srgbClr val="000000"/>
@@ -1030,7 +1030,7 @@
         <p:spPr>
           <a:xfrm>
             <a:off x="685800" y="1143000"/>
-            <a:ext cx="5484600" cy="3084480"/>
+            <a:ext cx="5484240" cy="3084120"/>
           </a:xfrm>
           <a:prstGeom prst="rect">
             <a:avLst/>
@@ -1050,7 +1050,7 @@
         <p:spPr>
           <a:xfrm>
             <a:off x="685800" y="4400640"/>
-            <a:ext cx="5484600" cy="3598560"/>
+            <a:ext cx="5484240" cy="3598200"/>
           </a:xfrm>
           <a:prstGeom prst="rect">
             <a:avLst/>
@@ -1076,7 +1076,7 @@
         <p:spPr>
           <a:xfrm>
             <a:off x="3884760" y="8685360"/>
-            <a:ext cx="2970000" cy="456840"/>
+            <a:ext cx="2969640" cy="456480"/>
           </a:xfrm>
           <a:prstGeom prst="rect">
             <a:avLst/>
@@ -1102,7 +1102,7 @@
                 <a:spcPct val="100000"/>
               </a:lnSpc>
             </a:pPr>
-            <a:fld id="{4EAED0EA-14D3-4649-B46A-7962C8B15D37}" type="slidenum">
+            <a:fld id="{3A3E271B-A36A-49F7-8486-F24D6E9794ED}" type="slidenum">
               <a:rPr b="0" lang="ru-RU" sz="1200" spc="-1" strike="noStrike">
                 <a:solidFill>
                   <a:srgbClr val="000000"/>
@@ -9291,7 +9291,7 @@
         <p:spPr>
           <a:xfrm>
             <a:off x="0" y="0"/>
-            <a:ext cx="12190320" cy="6856200"/>
+            <a:ext cx="12189960" cy="6855840"/>
           </a:xfrm>
           <a:prstGeom prst="rect">
             <a:avLst/>
@@ -9329,7 +9329,7 @@
         <p:spPr>
           <a:xfrm>
             <a:off x="0" y="0"/>
-            <a:ext cx="12190320" cy="6856200"/>
+            <a:ext cx="12189960" cy="6855840"/>
           </a:xfrm>
           <a:custGeom>
             <a:avLst/>
@@ -9395,8 +9395,8 @@
         </p:nvSpPr>
         <p:spPr>
           <a:xfrm flipV="1" rot="16200000">
-            <a:off x="2966760" y="-2364120"/>
-            <a:ext cx="6860880" cy="11589840"/>
+            <a:off x="2967120" y="-2364480"/>
+            <a:ext cx="6860520" cy="11589480"/>
           </a:xfrm>
           <a:custGeom>
             <a:avLst/>
@@ -9474,8 +9474,8 @@
         </p:nvSpPr>
         <p:spPr>
           <a:xfrm flipV="1" rot="16200000">
-            <a:off x="2666520" y="-2669040"/>
-            <a:ext cx="6860880" cy="12190320"/>
+            <a:off x="2666880" y="-2669400"/>
+            <a:ext cx="6860520" cy="12189960"/>
           </a:xfrm>
           <a:custGeom>
             <a:avLst/>
@@ -9553,8 +9553,8 @@
         </p:nvSpPr>
         <p:spPr>
           <a:xfrm flipV="1" rot="16200000">
-            <a:off x="2666520" y="-2669040"/>
-            <a:ext cx="6860880" cy="12190320"/>
+            <a:off x="2666880" y="-2669400"/>
+            <a:ext cx="6860520" cy="12189960"/>
           </a:xfrm>
           <a:custGeom>
             <a:avLst/>
@@ -9631,7 +9631,7 @@
         <p:spPr>
           <a:xfrm>
             <a:off x="444600" y="542880"/>
-            <a:ext cx="11212200" cy="528120"/>
+            <a:ext cx="11211840" cy="528120"/>
           </a:xfrm>
           <a:prstGeom prst="rect">
             <a:avLst/>
@@ -9681,10 +9681,10 @@
         </p:nvGrpSpPr>
         <p:grpSpPr>
           <a:xfrm>
-            <a:off x="335160" y="-376200"/>
-            <a:ext cx="862200" cy="755280"/>
-            <a:chOff x="335160" y="-376200"/>
-            <a:chExt cx="862200" cy="755280"/>
+            <a:off x="334800" y="-375480"/>
+            <a:ext cx="862200" cy="754560"/>
+            <a:chOff x="334800" y="-375480"/>
+            <a:chExt cx="862200" cy="754560"/>
           </a:xfrm>
         </p:grpSpPr>
         <p:sp>
@@ -9695,8 +9695,8 @@
           </p:nvSpPr>
           <p:spPr>
             <a:xfrm rot="18900000">
-              <a:off x="552960" y="-265320"/>
-              <a:ext cx="533880" cy="533880"/>
+              <a:off x="552600" y="-264600"/>
+              <a:ext cx="533520" cy="533520"/>
             </a:xfrm>
             <a:custGeom>
               <a:avLst/>
@@ -9750,8 +9750,8 @@
           </p:nvSpPr>
           <p:spPr>
             <a:xfrm flipH="1" rot="2700000">
-              <a:off x="441720" y="-257040"/>
-              <a:ext cx="515880" cy="516240"/>
+              <a:off x="441360" y="-256680"/>
+              <a:ext cx="515880" cy="515880"/>
             </a:xfrm>
             <a:custGeom>
               <a:avLst/>
@@ -9809,10 +9809,10 @@
         </p:nvGrpSpPr>
         <p:grpSpPr>
           <a:xfrm>
-            <a:off x="0" y="1354320"/>
-            <a:ext cx="12190320" cy="4844520"/>
-            <a:chOff x="0" y="1354320"/>
-            <a:chExt cx="12190320" cy="4844520"/>
+            <a:off x="0" y="1353600"/>
+            <a:ext cx="12189960" cy="4844160"/>
+            <a:chOff x="0" y="1353600"/>
+            <a:chExt cx="12189960" cy="4844160"/>
           </a:xfrm>
         </p:grpSpPr>
         <p:sp>
@@ -9823,8 +9823,8 @@
           </p:nvSpPr>
           <p:spPr>
             <a:xfrm flipV="1">
-              <a:off x="0" y="1353600"/>
-              <a:ext cx="12190320" cy="4844520"/>
+              <a:off x="0" y="1353240"/>
+              <a:ext cx="12189960" cy="4844160"/>
             </a:xfrm>
             <a:prstGeom prst="snip1Rect">
               <a:avLst>
@@ -9866,8 +9866,8 @@
           </p:nvSpPr>
           <p:spPr>
             <a:xfrm flipV="1">
-              <a:off x="0" y="1353600"/>
-              <a:ext cx="12190320" cy="4844520"/>
+              <a:off x="0" y="1353240"/>
+              <a:ext cx="12189960" cy="4844160"/>
             </a:xfrm>
             <a:prstGeom prst="snip1Rect">
               <a:avLst>
@@ -9908,7 +9908,7 @@
         <p:spPr>
           <a:xfrm flipH="1">
             <a:off x="10780200" y="5448240"/>
-            <a:ext cx="1407960" cy="1407960"/>
+            <a:ext cx="1407600" cy="1407600"/>
           </a:xfrm>
           <a:custGeom>
             <a:avLst/>
@@ -9966,7 +9966,7 @@
         <p:spPr>
           <a:xfrm>
             <a:off x="11252160" y="6315120"/>
-            <a:ext cx="404640" cy="363240"/>
+            <a:ext cx="404280" cy="362880"/>
           </a:xfrm>
           <a:prstGeom prst="rect">
             <a:avLst/>
@@ -9992,7 +9992,7 @@
                 <a:spcPct val="100000"/>
               </a:lnSpc>
             </a:pPr>
-            <a:fld id="{11FD9CDA-0C08-4968-8B54-3D6C8E9D2825}" type="slidenum">
+            <a:fld id="{ADB810CC-E408-4625-8E70-1F9751A7C08E}" type="slidenum">
               <a:rPr b="0" lang="ru-RU" sz="1000" spc="-1" strike="noStrike">
                 <a:solidFill>
                   <a:srgbClr val="ffffff"/>
@@ -10017,7 +10017,7 @@
         <p:spPr>
           <a:xfrm>
             <a:off x="0" y="0"/>
-            <a:ext cx="12190320" cy="6856200"/>
+            <a:ext cx="12189960" cy="6855840"/>
           </a:xfrm>
           <a:prstGeom prst="rect">
             <a:avLst/>
@@ -10052,10 +10052,10 @@
         </p:nvGrpSpPr>
         <p:grpSpPr>
           <a:xfrm>
-            <a:off x="-2269440" y="-749520"/>
-            <a:ext cx="14459760" cy="7605720"/>
-            <a:chOff x="-2269440" y="-749520"/>
-            <a:chExt cx="14459760" cy="7605720"/>
+            <a:off x="-2269440" y="-749160"/>
+            <a:ext cx="14459400" cy="7605000"/>
+            <a:chOff x="-2269440" y="-749160"/>
+            <a:chExt cx="14459400" cy="7605000"/>
           </a:xfrm>
         </p:grpSpPr>
         <p:grpSp>
@@ -10066,9 +10066,9 @@
           </p:nvGrpSpPr>
           <p:grpSpPr>
             <a:xfrm>
-              <a:off x="-18000" y="-1440"/>
+              <a:off x="-18360" y="-1800"/>
               <a:ext cx="12208320" cy="6857640"/>
-              <a:chOff x="-18000" y="-1440"/>
+              <a:chOff x="-18360" y="-1800"/>
               <a:chExt cx="12208320" cy="6857640"/>
             </a:xfrm>
           </p:grpSpPr>
@@ -10081,7 +10081,7 @@
             <p:spPr>
               <a:xfrm flipH="1">
                 <a:off x="-18360" y="0"/>
-                <a:ext cx="12206520" cy="6856200"/>
+                <a:ext cx="12206160" cy="6855840"/>
               </a:xfrm>
               <a:custGeom>
                 <a:avLst/>
@@ -10153,8 +10153,8 @@
             </p:nvSpPr>
             <p:spPr>
               <a:xfrm flipH="1" flipV="1" rot="5400000">
-                <a:off x="2666880" y="-2668680"/>
-                <a:ext cx="6856200" cy="12190320"/>
+                <a:off x="2666520" y="-2668680"/>
+                <a:ext cx="6855840" cy="12189960"/>
               </a:xfrm>
               <a:custGeom>
                 <a:avLst/>
@@ -10238,8 +10238,8 @@
             </p:nvSpPr>
             <p:spPr>
               <a:xfrm flipH="1" flipV="1" rot="16200000">
-                <a:off x="22320" y="-3240"/>
-                <a:ext cx="2817720" cy="2827080"/>
+                <a:off x="22320" y="-2520"/>
+                <a:ext cx="2817360" cy="2826720"/>
               </a:xfrm>
               <a:prstGeom prst="rtTriangle">
                 <a:avLst/>
@@ -10277,7 +10277,7 @@
             <p:spPr>
               <a:xfrm flipH="1" flipV="1" rot="16200000">
                 <a:off x="720" y="-3960"/>
-                <a:ext cx="2625120" cy="2634120"/>
+                <a:ext cx="2624760" cy="2633760"/>
               </a:xfrm>
               <a:prstGeom prst="rtTriangle">
                 <a:avLst/>
@@ -10317,8 +10317,8 @@
             </p:nvSpPr>
             <p:spPr>
               <a:xfrm flipH="1" flipV="1" rot="16200000">
-                <a:off x="-11880" y="-1800"/>
-                <a:ext cx="2395440" cy="2403360"/>
+                <a:off x="-12240" y="-1800"/>
+                <a:ext cx="2395080" cy="2403000"/>
               </a:xfrm>
               <a:prstGeom prst="rtTriangle">
                 <a:avLst/>
@@ -10355,8 +10355,8 @@
             </p:nvSpPr>
             <p:spPr>
               <a:xfrm flipH="1" flipV="1" rot="5400000">
-                <a:off x="2666880" y="-2668680"/>
-                <a:ext cx="6856200" cy="12190320"/>
+                <a:off x="2666520" y="-2668680"/>
+                <a:ext cx="6855840" cy="12189960"/>
               </a:xfrm>
               <a:custGeom>
                 <a:avLst/>
@@ -10440,7 +10440,7 @@
           <p:spPr>
             <a:xfrm flipH="1" rot="18900000">
               <a:off x="-1604880" y="1396440"/>
-              <a:ext cx="3210120" cy="3209040"/>
+              <a:ext cx="3210120" cy="3208680"/>
             </a:xfrm>
             <a:custGeom>
               <a:avLst/>
@@ -10494,8 +10494,8 @@
           </p:nvSpPr>
           <p:spPr>
             <a:xfrm rot="18900000">
-              <a:off x="-861480" y="-2160"/>
-              <a:ext cx="2674800" cy="1355040"/>
+              <a:off x="-861480" y="-1800"/>
+              <a:ext cx="2674440" cy="1354680"/>
             </a:xfrm>
             <a:custGeom>
               <a:avLst/>
@@ -10555,8 +10555,8 @@
           </p:nvSpPr>
           <p:spPr>
             <a:xfrm rot="13500000">
-              <a:off x="-1223640" y="1738440"/>
-              <a:ext cx="2414160" cy="2414160"/>
+              <a:off x="-1223280" y="1738800"/>
+              <a:ext cx="2413800" cy="2413800"/>
             </a:xfrm>
             <a:custGeom>
               <a:avLst/>
@@ -10613,10 +10613,10 @@
           </p:nvGrpSpPr>
           <p:grpSpPr>
             <a:xfrm>
-              <a:off x="-1074240" y="4356720"/>
-              <a:ext cx="2148120" cy="2147760"/>
-              <a:chOff x="-1074240" y="4356720"/>
-              <a:chExt cx="2148120" cy="2147760"/>
+              <a:off x="-1073880" y="4356360"/>
+              <a:ext cx="2147760" cy="2147760"/>
+              <a:chOff x="-1073880" y="4356360"/>
+              <a:chExt cx="2147760" cy="2147760"/>
             </a:xfrm>
           </p:grpSpPr>
           <p:sp>
@@ -10627,8 +10627,8 @@
             </p:nvSpPr>
             <p:spPr>
               <a:xfrm flipH="1" rot="18900000">
-                <a:off x="-759600" y="4671000"/>
-                <a:ext cx="1518840" cy="1518840"/>
+                <a:off x="-759240" y="4670640"/>
+                <a:ext cx="1518840" cy="1518480"/>
               </a:xfrm>
               <a:custGeom>
                 <a:avLst/>
@@ -10682,8 +10682,8 @@
             </p:nvSpPr>
             <p:spPr>
               <a:xfrm rot="13500000">
-                <a:off x="-578880" y="4835520"/>
-                <a:ext cx="1142280" cy="1142280"/>
+                <a:off x="-578160" y="4835880"/>
+                <a:ext cx="1141920" cy="1141920"/>
               </a:xfrm>
               <a:custGeom>
                 <a:avLst/>
@@ -11003,7 +11003,7 @@
         <p:spPr>
           <a:xfrm>
             <a:off x="0" y="0"/>
-            <a:ext cx="12190320" cy="6856200"/>
+            <a:ext cx="12189960" cy="6855840"/>
           </a:xfrm>
           <a:prstGeom prst="rect">
             <a:avLst/>
@@ -11041,7 +11041,7 @@
         <p:spPr>
           <a:xfrm>
             <a:off x="0" y="0"/>
-            <a:ext cx="12190320" cy="6856200"/>
+            <a:ext cx="12189960" cy="6855840"/>
           </a:xfrm>
           <a:custGeom>
             <a:avLst/>
@@ -11107,8 +11107,8 @@
         </p:nvSpPr>
         <p:spPr>
           <a:xfrm flipV="1" rot="16200000">
-            <a:off x="2966760" y="-2364120"/>
-            <a:ext cx="6860880" cy="11589840"/>
+            <a:off x="2967120" y="-2364480"/>
+            <a:ext cx="6860520" cy="11589480"/>
           </a:xfrm>
           <a:custGeom>
             <a:avLst/>
@@ -11186,8 +11186,8 @@
         </p:nvSpPr>
         <p:spPr>
           <a:xfrm flipV="1" rot="16200000">
-            <a:off x="2666520" y="-2669040"/>
-            <a:ext cx="6860880" cy="12190320"/>
+            <a:off x="2666880" y="-2669400"/>
+            <a:ext cx="6860520" cy="12189960"/>
           </a:xfrm>
           <a:custGeom>
             <a:avLst/>
@@ -11265,8 +11265,8 @@
         </p:nvSpPr>
         <p:spPr>
           <a:xfrm flipV="1" rot="16200000">
-            <a:off x="2666520" y="-2669040"/>
-            <a:ext cx="6860880" cy="12190320"/>
+            <a:off x="2666880" y="-2669400"/>
+            <a:ext cx="6860520" cy="12189960"/>
           </a:xfrm>
           <a:custGeom>
             <a:avLst/>
@@ -11343,7 +11343,7 @@
         <p:spPr>
           <a:xfrm>
             <a:off x="444600" y="542880"/>
-            <a:ext cx="11212200" cy="528120"/>
+            <a:ext cx="11211840" cy="528120"/>
           </a:xfrm>
           <a:prstGeom prst="rect">
             <a:avLst/>
@@ -11393,10 +11393,10 @@
         </p:nvGrpSpPr>
         <p:grpSpPr>
           <a:xfrm>
-            <a:off x="335160" y="-376200"/>
-            <a:ext cx="862200" cy="755280"/>
-            <a:chOff x="335160" y="-376200"/>
-            <a:chExt cx="862200" cy="755280"/>
+            <a:off x="334800" y="-375480"/>
+            <a:ext cx="862200" cy="754560"/>
+            <a:chOff x="334800" y="-375480"/>
+            <a:chExt cx="862200" cy="754560"/>
           </a:xfrm>
         </p:grpSpPr>
         <p:sp>
@@ -11407,8 +11407,8 @@
           </p:nvSpPr>
           <p:spPr>
             <a:xfrm rot="18900000">
-              <a:off x="552960" y="-265320"/>
-              <a:ext cx="533880" cy="533880"/>
+              <a:off x="552600" y="-264600"/>
+              <a:ext cx="533520" cy="533520"/>
             </a:xfrm>
             <a:custGeom>
               <a:avLst/>
@@ -11462,8 +11462,8 @@
           </p:nvSpPr>
           <p:spPr>
             <a:xfrm flipH="1" rot="2700000">
-              <a:off x="441720" y="-257040"/>
-              <a:ext cx="515880" cy="516240"/>
+              <a:off x="441360" y="-256680"/>
+              <a:ext cx="515880" cy="515880"/>
             </a:xfrm>
             <a:custGeom>
               <a:avLst/>
@@ -11521,10 +11521,10 @@
         </p:nvGrpSpPr>
         <p:grpSpPr>
           <a:xfrm>
-            <a:off x="0" y="1354320"/>
-            <a:ext cx="12190320" cy="4844520"/>
-            <a:chOff x="0" y="1354320"/>
-            <a:chExt cx="12190320" cy="4844520"/>
+            <a:off x="0" y="1353600"/>
+            <a:ext cx="12189960" cy="4844160"/>
+            <a:chOff x="0" y="1353600"/>
+            <a:chExt cx="12189960" cy="4844160"/>
           </a:xfrm>
         </p:grpSpPr>
         <p:sp>
@@ -11535,8 +11535,8 @@
           </p:nvSpPr>
           <p:spPr>
             <a:xfrm flipV="1">
-              <a:off x="0" y="1353600"/>
-              <a:ext cx="12190320" cy="4844520"/>
+              <a:off x="0" y="1353240"/>
+              <a:ext cx="12189960" cy="4844160"/>
             </a:xfrm>
             <a:prstGeom prst="snip1Rect">
               <a:avLst>
@@ -11578,8 +11578,8 @@
           </p:nvSpPr>
           <p:spPr>
             <a:xfrm flipV="1">
-              <a:off x="0" y="1353600"/>
-              <a:ext cx="12190320" cy="4844520"/>
+              <a:off x="0" y="1353240"/>
+              <a:ext cx="12189960" cy="4844160"/>
             </a:xfrm>
             <a:prstGeom prst="snip1Rect">
               <a:avLst>
@@ -11620,7 +11620,7 @@
         <p:spPr>
           <a:xfrm flipH="1">
             <a:off x="10780200" y="5448240"/>
-            <a:ext cx="1407960" cy="1407960"/>
+            <a:ext cx="1407600" cy="1407600"/>
           </a:xfrm>
           <a:custGeom>
             <a:avLst/>
@@ -11678,7 +11678,7 @@
         <p:spPr>
           <a:xfrm>
             <a:off x="11252160" y="6315120"/>
-            <a:ext cx="404640" cy="363240"/>
+            <a:ext cx="404280" cy="362880"/>
           </a:xfrm>
           <a:prstGeom prst="rect">
             <a:avLst/>
@@ -11704,7 +11704,7 @@
                 <a:spcPct val="100000"/>
               </a:lnSpc>
             </a:pPr>
-            <a:fld id="{3B84308E-2219-41CA-A064-A9DED7CD4AEB}" type="slidenum">
+            <a:fld id="{186D57B9-1331-45A1-A321-E31972700B12}" type="slidenum">
               <a:rPr b="0" lang="ru-RU" sz="1000" spc="-1" strike="noStrike">
                 <a:solidFill>
                   <a:srgbClr val="ffffff"/>
@@ -11729,7 +11729,7 @@
         <p:spPr>
           <a:xfrm>
             <a:off x="0" y="0"/>
-            <a:ext cx="12190320" cy="6882480"/>
+            <a:ext cx="12189960" cy="6882120"/>
           </a:xfrm>
           <a:prstGeom prst="rect">
             <a:avLst/>
@@ -11767,7 +11767,7 @@
         <p:spPr>
           <a:xfrm>
             <a:off x="0" y="0"/>
-            <a:ext cx="12190320" cy="6882480"/>
+            <a:ext cx="12189960" cy="6882120"/>
           </a:xfrm>
           <a:custGeom>
             <a:avLst/>
@@ -11833,8 +11833,8 @@
         </p:nvSpPr>
         <p:spPr>
           <a:xfrm flipV="1" rot="16200000">
-            <a:off x="2666520" y="-2664360"/>
-            <a:ext cx="6860880" cy="12190320"/>
+            <a:off x="2666880" y="-2664720"/>
+            <a:ext cx="6860520" cy="12189960"/>
           </a:xfrm>
           <a:custGeom>
             <a:avLst/>
@@ -11910,10 +11910,10 @@
         </p:nvGrpSpPr>
         <p:grpSpPr>
           <a:xfrm>
-            <a:off x="335160" y="-376200"/>
-            <a:ext cx="862200" cy="755280"/>
-            <a:chOff x="335160" y="-376200"/>
-            <a:chExt cx="862200" cy="755280"/>
+            <a:off x="334800" y="-375480"/>
+            <a:ext cx="862200" cy="754560"/>
+            <a:chOff x="334800" y="-375480"/>
+            <a:chExt cx="862200" cy="754560"/>
           </a:xfrm>
         </p:grpSpPr>
         <p:sp>
@@ -11924,8 +11924,8 @@
           </p:nvSpPr>
           <p:spPr>
             <a:xfrm rot="18900000">
-              <a:off x="552960" y="-265320"/>
-              <a:ext cx="533880" cy="533880"/>
+              <a:off x="552600" y="-264600"/>
+              <a:ext cx="533520" cy="533520"/>
             </a:xfrm>
             <a:custGeom>
               <a:avLst/>
@@ -11979,8 +11979,8 @@
           </p:nvSpPr>
           <p:spPr>
             <a:xfrm flipH="1" rot="2700000">
-              <a:off x="441720" y="-257040"/>
-              <a:ext cx="515880" cy="516240"/>
+              <a:off x="441360" y="-256680"/>
+              <a:ext cx="515880" cy="515880"/>
             </a:xfrm>
             <a:custGeom>
               <a:avLst/>
@@ -12299,7 +12299,7 @@
         <p:spPr>
           <a:xfrm>
             <a:off x="0" y="0"/>
-            <a:ext cx="12190320" cy="6856200"/>
+            <a:ext cx="12189960" cy="6855840"/>
           </a:xfrm>
           <a:prstGeom prst="rect">
             <a:avLst/>
@@ -12337,7 +12337,7 @@
         <p:spPr>
           <a:xfrm>
             <a:off x="0" y="0"/>
-            <a:ext cx="12190320" cy="6856200"/>
+            <a:ext cx="12189960" cy="6855840"/>
           </a:xfrm>
           <a:custGeom>
             <a:avLst/>
@@ -12403,8 +12403,8 @@
         </p:nvSpPr>
         <p:spPr>
           <a:xfrm flipV="1" rot="16200000">
-            <a:off x="2966760" y="-2364120"/>
-            <a:ext cx="6860880" cy="11589840"/>
+            <a:off x="2967120" y="-2364480"/>
+            <a:ext cx="6860520" cy="11589480"/>
           </a:xfrm>
           <a:custGeom>
             <a:avLst/>
@@ -12482,8 +12482,8 @@
         </p:nvSpPr>
         <p:spPr>
           <a:xfrm flipV="1" rot="16200000">
-            <a:off x="2666520" y="-2669040"/>
-            <a:ext cx="6860880" cy="12190320"/>
+            <a:off x="2666880" y="-2669400"/>
+            <a:ext cx="6860520" cy="12189960"/>
           </a:xfrm>
           <a:custGeom>
             <a:avLst/>
@@ -12561,8 +12561,8 @@
         </p:nvSpPr>
         <p:spPr>
           <a:xfrm flipV="1" rot="16200000">
-            <a:off x="2666520" y="-2669040"/>
-            <a:ext cx="6860880" cy="12190320"/>
+            <a:off x="2666880" y="-2669400"/>
+            <a:ext cx="6860520" cy="12189960"/>
           </a:xfrm>
           <a:custGeom>
             <a:avLst/>
@@ -12639,7 +12639,7 @@
         <p:spPr>
           <a:xfrm>
             <a:off x="444600" y="542880"/>
-            <a:ext cx="11212200" cy="528120"/>
+            <a:ext cx="11211840" cy="528120"/>
           </a:xfrm>
           <a:prstGeom prst="rect">
             <a:avLst/>
@@ -12689,10 +12689,10 @@
         </p:nvGrpSpPr>
         <p:grpSpPr>
           <a:xfrm>
-            <a:off x="335160" y="-376200"/>
-            <a:ext cx="862200" cy="755280"/>
-            <a:chOff x="335160" y="-376200"/>
-            <a:chExt cx="862200" cy="755280"/>
+            <a:off x="334800" y="-375480"/>
+            <a:ext cx="862200" cy="754560"/>
+            <a:chOff x="334800" y="-375480"/>
+            <a:chExt cx="862200" cy="754560"/>
           </a:xfrm>
         </p:grpSpPr>
         <p:sp>
@@ -12703,8 +12703,8 @@
           </p:nvSpPr>
           <p:spPr>
             <a:xfrm rot="18900000">
-              <a:off x="552960" y="-265320"/>
-              <a:ext cx="533880" cy="533880"/>
+              <a:off x="552600" y="-264600"/>
+              <a:ext cx="533520" cy="533520"/>
             </a:xfrm>
             <a:custGeom>
               <a:avLst/>
@@ -12758,8 +12758,8 @@
           </p:nvSpPr>
           <p:spPr>
             <a:xfrm flipH="1" rot="2700000">
-              <a:off x="441720" y="-257040"/>
-              <a:ext cx="515880" cy="516240"/>
+              <a:off x="441360" y="-256680"/>
+              <a:ext cx="515880" cy="515880"/>
             </a:xfrm>
             <a:custGeom>
               <a:avLst/>
@@ -12817,10 +12817,10 @@
         </p:nvGrpSpPr>
         <p:grpSpPr>
           <a:xfrm>
-            <a:off x="0" y="1354320"/>
-            <a:ext cx="12190320" cy="4844520"/>
-            <a:chOff x="0" y="1354320"/>
-            <a:chExt cx="12190320" cy="4844520"/>
+            <a:off x="0" y="1353600"/>
+            <a:ext cx="12189960" cy="4844160"/>
+            <a:chOff x="0" y="1353600"/>
+            <a:chExt cx="12189960" cy="4844160"/>
           </a:xfrm>
         </p:grpSpPr>
         <p:sp>
@@ -12831,8 +12831,8 @@
           </p:nvSpPr>
           <p:spPr>
             <a:xfrm flipV="1">
-              <a:off x="0" y="1353600"/>
-              <a:ext cx="12190320" cy="4844520"/>
+              <a:off x="0" y="1353240"/>
+              <a:ext cx="12189960" cy="4844160"/>
             </a:xfrm>
             <a:prstGeom prst="snip1Rect">
               <a:avLst>
@@ -12874,8 +12874,8 @@
           </p:nvSpPr>
           <p:spPr>
             <a:xfrm flipV="1">
-              <a:off x="0" y="1353600"/>
-              <a:ext cx="12190320" cy="4844520"/>
+              <a:off x="0" y="1353240"/>
+              <a:ext cx="12189960" cy="4844160"/>
             </a:xfrm>
             <a:prstGeom prst="snip1Rect">
               <a:avLst>
@@ -12916,7 +12916,7 @@
         <p:spPr>
           <a:xfrm flipH="1">
             <a:off x="10780200" y="5448240"/>
-            <a:ext cx="1407960" cy="1407960"/>
+            <a:ext cx="1407600" cy="1407600"/>
           </a:xfrm>
           <a:custGeom>
             <a:avLst/>
@@ -12974,7 +12974,7 @@
         <p:spPr>
           <a:xfrm>
             <a:off x="11252160" y="6315120"/>
-            <a:ext cx="404640" cy="363240"/>
+            <a:ext cx="404280" cy="362880"/>
           </a:xfrm>
           <a:prstGeom prst="rect">
             <a:avLst/>
@@ -13000,7 +13000,7 @@
                 <a:spcPct val="100000"/>
               </a:lnSpc>
             </a:pPr>
-            <a:fld id="{DCA2105C-5817-4C79-8E38-FEB0FC59B852}" type="slidenum">
+            <a:fld id="{6C314759-6D9D-491E-BC77-AE370475CAEF}" type="slidenum">
               <a:rPr b="0" lang="ru-RU" sz="1000" spc="-1" strike="noStrike">
                 <a:solidFill>
                   <a:srgbClr val="ffffff"/>
@@ -13025,7 +13025,7 @@
         <p:spPr>
           <a:xfrm>
             <a:off x="0" y="0"/>
-            <a:ext cx="12190320" cy="6882480"/>
+            <a:ext cx="12189960" cy="6882120"/>
           </a:xfrm>
           <a:prstGeom prst="rect">
             <a:avLst/>
@@ -13063,7 +13063,7 @@
         <p:spPr>
           <a:xfrm>
             <a:off x="0" y="0"/>
-            <a:ext cx="12190320" cy="6882480"/>
+            <a:ext cx="12189960" cy="6882120"/>
           </a:xfrm>
           <a:custGeom>
             <a:avLst/>
@@ -13129,8 +13129,8 @@
         </p:nvSpPr>
         <p:spPr>
           <a:xfrm flipV="1" rot="16200000">
-            <a:off x="2666520" y="-2664360"/>
-            <a:ext cx="6860880" cy="12190320"/>
+            <a:off x="2666880" y="-2664720"/>
+            <a:ext cx="6860520" cy="12189960"/>
           </a:xfrm>
           <a:custGeom>
             <a:avLst/>
@@ -13206,10 +13206,10 @@
         </p:nvGrpSpPr>
         <p:grpSpPr>
           <a:xfrm>
-            <a:off x="335160" y="-376200"/>
-            <a:ext cx="862200" cy="755280"/>
-            <a:chOff x="335160" y="-376200"/>
-            <a:chExt cx="862200" cy="755280"/>
+            <a:off x="334800" y="-375480"/>
+            <a:ext cx="862200" cy="754560"/>
+            <a:chOff x="334800" y="-375480"/>
+            <a:chExt cx="862200" cy="754560"/>
           </a:xfrm>
         </p:grpSpPr>
         <p:sp>
@@ -13220,8 +13220,8 @@
           </p:nvSpPr>
           <p:spPr>
             <a:xfrm rot="18900000">
-              <a:off x="552960" y="-265320"/>
-              <a:ext cx="533880" cy="533880"/>
+              <a:off x="552600" y="-264600"/>
+              <a:ext cx="533520" cy="533520"/>
             </a:xfrm>
             <a:custGeom>
               <a:avLst/>
@@ -13275,8 +13275,8 @@
           </p:nvSpPr>
           <p:spPr>
             <a:xfrm flipH="1" rot="2700000">
-              <a:off x="441720" y="-257040"/>
-              <a:ext cx="515880" cy="516240"/>
+              <a:off x="441360" y="-256680"/>
+              <a:ext cx="515880" cy="515880"/>
             </a:xfrm>
             <a:custGeom>
               <a:avLst/>
@@ -13595,7 +13595,7 @@
         <p:spPr>
           <a:xfrm>
             <a:off x="0" y="0"/>
-            <a:ext cx="12190320" cy="6856200"/>
+            <a:ext cx="12189960" cy="6855840"/>
           </a:xfrm>
           <a:prstGeom prst="rect">
             <a:avLst/>
@@ -13633,7 +13633,7 @@
         <p:spPr>
           <a:xfrm>
             <a:off x="0" y="0"/>
-            <a:ext cx="12190320" cy="6856200"/>
+            <a:ext cx="12189960" cy="6855840"/>
           </a:xfrm>
           <a:custGeom>
             <a:avLst/>
@@ -13699,8 +13699,8 @@
         </p:nvSpPr>
         <p:spPr>
           <a:xfrm flipV="1" rot="16200000">
-            <a:off x="2966760" y="-2364120"/>
-            <a:ext cx="6860880" cy="11589840"/>
+            <a:off x="2967120" y="-2364480"/>
+            <a:ext cx="6860520" cy="11589480"/>
           </a:xfrm>
           <a:custGeom>
             <a:avLst/>
@@ -13778,8 +13778,8 @@
         </p:nvSpPr>
         <p:spPr>
           <a:xfrm flipV="1" rot="16200000">
-            <a:off x="2666520" y="-2669040"/>
-            <a:ext cx="6860880" cy="12190320"/>
+            <a:off x="2666880" y="-2669400"/>
+            <a:ext cx="6860520" cy="12189960"/>
           </a:xfrm>
           <a:custGeom>
             <a:avLst/>
@@ -13857,8 +13857,8 @@
         </p:nvSpPr>
         <p:spPr>
           <a:xfrm flipV="1" rot="16200000">
-            <a:off x="2666520" y="-2669040"/>
-            <a:ext cx="6860880" cy="12190320"/>
+            <a:off x="2666880" y="-2669400"/>
+            <a:ext cx="6860520" cy="12189960"/>
           </a:xfrm>
           <a:custGeom>
             <a:avLst/>
@@ -13935,7 +13935,7 @@
         <p:spPr>
           <a:xfrm>
             <a:off x="444600" y="542880"/>
-            <a:ext cx="11212200" cy="528120"/>
+            <a:ext cx="11211840" cy="528120"/>
           </a:xfrm>
           <a:prstGeom prst="rect">
             <a:avLst/>
@@ -13985,10 +13985,10 @@
         </p:nvGrpSpPr>
         <p:grpSpPr>
           <a:xfrm>
-            <a:off x="335160" y="-376200"/>
-            <a:ext cx="862200" cy="755280"/>
-            <a:chOff x="335160" y="-376200"/>
-            <a:chExt cx="862200" cy="755280"/>
+            <a:off x="334800" y="-375480"/>
+            <a:ext cx="862200" cy="754560"/>
+            <a:chOff x="334800" y="-375480"/>
+            <a:chExt cx="862200" cy="754560"/>
           </a:xfrm>
         </p:grpSpPr>
         <p:sp>
@@ -13999,8 +13999,8 @@
           </p:nvSpPr>
           <p:spPr>
             <a:xfrm rot="18900000">
-              <a:off x="552960" y="-265320"/>
-              <a:ext cx="533880" cy="533880"/>
+              <a:off x="552600" y="-264600"/>
+              <a:ext cx="533520" cy="533520"/>
             </a:xfrm>
             <a:custGeom>
               <a:avLst/>
@@ -14054,8 +14054,8 @@
           </p:nvSpPr>
           <p:spPr>
             <a:xfrm flipH="1" rot="2700000">
-              <a:off x="441720" y="-257040"/>
-              <a:ext cx="515880" cy="516240"/>
+              <a:off x="441360" y="-256680"/>
+              <a:ext cx="515880" cy="515880"/>
             </a:xfrm>
             <a:custGeom>
               <a:avLst/>
@@ -14113,10 +14113,10 @@
         </p:nvGrpSpPr>
         <p:grpSpPr>
           <a:xfrm>
-            <a:off x="0" y="1354320"/>
-            <a:ext cx="12190320" cy="4844520"/>
-            <a:chOff x="0" y="1354320"/>
-            <a:chExt cx="12190320" cy="4844520"/>
+            <a:off x="0" y="1353600"/>
+            <a:ext cx="12189960" cy="4844160"/>
+            <a:chOff x="0" y="1353600"/>
+            <a:chExt cx="12189960" cy="4844160"/>
           </a:xfrm>
         </p:grpSpPr>
         <p:sp>
@@ -14127,8 +14127,8 @@
           </p:nvSpPr>
           <p:spPr>
             <a:xfrm flipV="1">
-              <a:off x="0" y="1353600"/>
-              <a:ext cx="12190320" cy="4844520"/>
+              <a:off x="0" y="1353240"/>
+              <a:ext cx="12189960" cy="4844160"/>
             </a:xfrm>
             <a:prstGeom prst="snip1Rect">
               <a:avLst>
@@ -14170,8 +14170,8 @@
           </p:nvSpPr>
           <p:spPr>
             <a:xfrm flipV="1">
-              <a:off x="0" y="1353600"/>
-              <a:ext cx="12190320" cy="4844520"/>
+              <a:off x="0" y="1353240"/>
+              <a:ext cx="12189960" cy="4844160"/>
             </a:xfrm>
             <a:prstGeom prst="snip1Rect">
               <a:avLst>
@@ -14212,7 +14212,7 @@
         <p:spPr>
           <a:xfrm flipH="1">
             <a:off x="10780200" y="5448240"/>
-            <a:ext cx="1407960" cy="1407960"/>
+            <a:ext cx="1407600" cy="1407600"/>
           </a:xfrm>
           <a:custGeom>
             <a:avLst/>
@@ -14270,7 +14270,7 @@
         <p:spPr>
           <a:xfrm>
             <a:off x="11252160" y="6315120"/>
-            <a:ext cx="404640" cy="363240"/>
+            <a:ext cx="404280" cy="362880"/>
           </a:xfrm>
           <a:prstGeom prst="rect">
             <a:avLst/>
@@ -14296,7 +14296,7 @@
                 <a:spcPct val="100000"/>
               </a:lnSpc>
             </a:pPr>
-            <a:fld id="{91430906-E1F2-45A1-9B2A-5FBE7C766A57}" type="slidenum">
+            <a:fld id="{181EF340-4C08-4792-BC13-8E23561A38CC}" type="slidenum">
               <a:rPr b="0" lang="ru-RU" sz="1000" spc="-1" strike="noStrike">
                 <a:solidFill>
                   <a:srgbClr val="ffffff"/>
@@ -14321,7 +14321,7 @@
         <p:spPr>
           <a:xfrm>
             <a:off x="0" y="0"/>
-            <a:ext cx="12190320" cy="6856200"/>
+            <a:ext cx="12189960" cy="6855840"/>
           </a:xfrm>
           <a:prstGeom prst="rect">
             <a:avLst/>
@@ -14358,8 +14358,8 @@
         </p:nvSpPr>
         <p:spPr>
           <a:xfrm flipV="1" rot="16200000">
-            <a:off x="2857680" y="-2473200"/>
-            <a:ext cx="6860880" cy="11808000"/>
+            <a:off x="2858040" y="-2473560"/>
+            <a:ext cx="6860520" cy="11807640"/>
           </a:xfrm>
           <a:custGeom>
             <a:avLst/>
@@ -14432,8 +14432,8 @@
         </p:nvSpPr>
         <p:spPr>
           <a:xfrm flipV="1" rot="16200000">
-            <a:off x="2628720" y="-2626560"/>
-            <a:ext cx="6860880" cy="12114720"/>
+            <a:off x="2629080" y="-2626920"/>
+            <a:ext cx="6860520" cy="12114360"/>
           </a:xfrm>
           <a:custGeom>
             <a:avLst/>
@@ -14508,8 +14508,8 @@
         </p:nvSpPr>
         <p:spPr>
           <a:xfrm flipV="1" rot="16200000">
-            <a:off x="2666520" y="-2664360"/>
-            <a:ext cx="6860880" cy="12190320"/>
+            <a:off x="2666880" y="-2664720"/>
+            <a:ext cx="6860520" cy="12189960"/>
           </a:xfrm>
           <a:custGeom>
             <a:avLst/>
@@ -14586,9 +14586,9 @@
         <p:grpSpPr>
           <a:xfrm>
             <a:off x="9141840" y="1179360"/>
-            <a:ext cx="5832000" cy="5806440"/>
+            <a:ext cx="5830920" cy="5805360"/>
             <a:chOff x="9141840" y="1179360"/>
-            <a:chExt cx="5832000" cy="5806440"/>
+            <a:chExt cx="5830920" cy="5805360"/>
           </a:xfrm>
         </p:grpSpPr>
         <p:sp>
@@ -14599,8 +14599,8 @@
           </p:nvSpPr>
           <p:spPr>
             <a:xfrm rot="2700000">
-              <a:off x="10139040" y="2048040"/>
-              <a:ext cx="3577320" cy="4302720"/>
+              <a:off x="10139040" y="2047680"/>
+              <a:ext cx="3576960" cy="4302360"/>
             </a:xfrm>
             <a:custGeom>
               <a:avLst/>
@@ -14657,8 +14657,8 @@
           </p:nvSpPr>
           <p:spPr>
             <a:xfrm flipH="1" rot="8100000">
-              <a:off x="10067760" y="2059200"/>
-              <a:ext cx="4118400" cy="3932640"/>
+              <a:off x="10066680" y="2059200"/>
+              <a:ext cx="4118400" cy="3932280"/>
             </a:xfrm>
             <a:custGeom>
               <a:avLst/>
@@ -14719,8 +14719,8 @@
         </p:nvSpPr>
         <p:spPr>
           <a:xfrm rot="2700000">
-            <a:off x="11438640" y="5664240"/>
-            <a:ext cx="875880" cy="1753920"/>
+            <a:off x="11438640" y="5663880"/>
+            <a:ext cx="875520" cy="1753560"/>
           </a:xfrm>
           <a:custGeom>
             <a:avLst/>
@@ -14774,8 +14774,8 @@
         </p:nvSpPr>
         <p:spPr>
           <a:xfrm flipH="1" rot="8100000">
-            <a:off x="10579680" y="5842080"/>
-            <a:ext cx="2370600" cy="1184400"/>
+            <a:off x="10579320" y="5842080"/>
+            <a:ext cx="2370600" cy="1184040"/>
           </a:xfrm>
           <a:custGeom>
             <a:avLst/>
@@ -14832,9 +14832,9 @@
         </p:nvGrpSpPr>
         <p:grpSpPr>
           <a:xfrm>
-            <a:off x="9616680" y="6118560"/>
+            <a:off x="9615960" y="6117480"/>
             <a:ext cx="1643040" cy="1485720"/>
-            <a:chOff x="9616680" y="6118560"/>
+            <a:chOff x="9615960" y="6117480"/>
             <a:chExt cx="1643040" cy="1485720"/>
           </a:xfrm>
         </p:grpSpPr>
@@ -14846,8 +14846,8 @@
           </p:nvSpPr>
           <p:spPr>
             <a:xfrm flipV="1" rot="2700000">
-              <a:off x="9991440" y="6335280"/>
-              <a:ext cx="1050480" cy="1050840"/>
+              <a:off x="9991080" y="6334560"/>
+              <a:ext cx="1050480" cy="1050480"/>
             </a:xfrm>
             <a:custGeom>
               <a:avLst/>
@@ -14901,8 +14901,8 @@
           </p:nvSpPr>
           <p:spPr>
             <a:xfrm flipH="1" flipV="1" rot="18900000">
-              <a:off x="9831960" y="6338520"/>
-              <a:ext cx="1041120" cy="1041480"/>
+              <a:off x="9831240" y="6337800"/>
+              <a:ext cx="1040760" cy="1041120"/>
             </a:xfrm>
             <a:custGeom>
               <a:avLst/>
@@ -15221,7 +15221,7 @@
         <p:spPr>
           <a:xfrm>
             <a:off x="0" y="0"/>
-            <a:ext cx="12190320" cy="6856200"/>
+            <a:ext cx="12189960" cy="6855840"/>
           </a:xfrm>
           <a:prstGeom prst="rect">
             <a:avLst/>
@@ -15259,7 +15259,7 @@
         <p:spPr>
           <a:xfrm>
             <a:off x="0" y="0"/>
-            <a:ext cx="12190320" cy="6856200"/>
+            <a:ext cx="12189960" cy="6855840"/>
           </a:xfrm>
           <a:custGeom>
             <a:avLst/>
@@ -15325,8 +15325,8 @@
         </p:nvSpPr>
         <p:spPr>
           <a:xfrm flipV="1" rot="16200000">
-            <a:off x="2966760" y="-2364120"/>
-            <a:ext cx="6860880" cy="11589840"/>
+            <a:off x="2967120" y="-2364480"/>
+            <a:ext cx="6860520" cy="11589480"/>
           </a:xfrm>
           <a:custGeom>
             <a:avLst/>
@@ -15404,8 +15404,8 @@
         </p:nvSpPr>
         <p:spPr>
           <a:xfrm flipV="1" rot="16200000">
-            <a:off x="2666520" y="-2669040"/>
-            <a:ext cx="6860880" cy="12190320"/>
+            <a:off x="2666880" y="-2669400"/>
+            <a:ext cx="6860520" cy="12189960"/>
           </a:xfrm>
           <a:custGeom>
             <a:avLst/>
@@ -15483,8 +15483,8 @@
         </p:nvSpPr>
         <p:spPr>
           <a:xfrm flipV="1" rot="16200000">
-            <a:off x="2666520" y="-2669040"/>
-            <a:ext cx="6860880" cy="12190320"/>
+            <a:off x="2666880" y="-2669400"/>
+            <a:ext cx="6860520" cy="12189960"/>
           </a:xfrm>
           <a:custGeom>
             <a:avLst/>
@@ -15561,7 +15561,7 @@
         <p:spPr>
           <a:xfrm>
             <a:off x="444600" y="542880"/>
-            <a:ext cx="11212200" cy="528120"/>
+            <a:ext cx="11211840" cy="528120"/>
           </a:xfrm>
           <a:prstGeom prst="rect">
             <a:avLst/>
@@ -15611,10 +15611,10 @@
         </p:nvGrpSpPr>
         <p:grpSpPr>
           <a:xfrm>
-            <a:off x="335160" y="-376200"/>
-            <a:ext cx="862200" cy="755280"/>
-            <a:chOff x="335160" y="-376200"/>
-            <a:chExt cx="862200" cy="755280"/>
+            <a:off x="334800" y="-375480"/>
+            <a:ext cx="862200" cy="754560"/>
+            <a:chOff x="334800" y="-375480"/>
+            <a:chExt cx="862200" cy="754560"/>
           </a:xfrm>
         </p:grpSpPr>
         <p:sp>
@@ -15625,8 +15625,8 @@
           </p:nvSpPr>
           <p:spPr>
             <a:xfrm rot="18900000">
-              <a:off x="552960" y="-265320"/>
-              <a:ext cx="533880" cy="533880"/>
+              <a:off x="552600" y="-264600"/>
+              <a:ext cx="533520" cy="533520"/>
             </a:xfrm>
             <a:custGeom>
               <a:avLst/>
@@ -15680,8 +15680,8 @@
           </p:nvSpPr>
           <p:spPr>
             <a:xfrm flipH="1" rot="2700000">
-              <a:off x="441720" y="-257040"/>
-              <a:ext cx="515880" cy="516240"/>
+              <a:off x="441360" y="-256680"/>
+              <a:ext cx="515880" cy="515880"/>
             </a:xfrm>
             <a:custGeom>
               <a:avLst/>
@@ -15739,10 +15739,10 @@
         </p:nvGrpSpPr>
         <p:grpSpPr>
           <a:xfrm>
-            <a:off x="0" y="1354320"/>
-            <a:ext cx="12190320" cy="4844520"/>
-            <a:chOff x="0" y="1354320"/>
-            <a:chExt cx="12190320" cy="4844520"/>
+            <a:off x="0" y="1353600"/>
+            <a:ext cx="12189960" cy="4844160"/>
+            <a:chOff x="0" y="1353600"/>
+            <a:chExt cx="12189960" cy="4844160"/>
           </a:xfrm>
         </p:grpSpPr>
         <p:sp>
@@ -15753,8 +15753,8 @@
           </p:nvSpPr>
           <p:spPr>
             <a:xfrm flipV="1">
-              <a:off x="0" y="1353600"/>
-              <a:ext cx="12190320" cy="4844520"/>
+              <a:off x="0" y="1353240"/>
+              <a:ext cx="12189960" cy="4844160"/>
             </a:xfrm>
             <a:prstGeom prst="snip1Rect">
               <a:avLst>
@@ -15796,8 +15796,8 @@
           </p:nvSpPr>
           <p:spPr>
             <a:xfrm flipV="1">
-              <a:off x="0" y="1353600"/>
-              <a:ext cx="12190320" cy="4844520"/>
+              <a:off x="0" y="1353240"/>
+              <a:ext cx="12189960" cy="4844160"/>
             </a:xfrm>
             <a:prstGeom prst="snip1Rect">
               <a:avLst>
@@ -15838,7 +15838,7 @@
         <p:spPr>
           <a:xfrm flipH="1">
             <a:off x="10780200" y="5448240"/>
-            <a:ext cx="1407960" cy="1407960"/>
+            <a:ext cx="1407600" cy="1407600"/>
           </a:xfrm>
           <a:custGeom>
             <a:avLst/>
@@ -15896,7 +15896,7 @@
         <p:spPr>
           <a:xfrm>
             <a:off x="11252160" y="6315120"/>
-            <a:ext cx="404640" cy="363240"/>
+            <a:ext cx="404280" cy="362880"/>
           </a:xfrm>
           <a:prstGeom prst="rect">
             <a:avLst/>
@@ -15922,7 +15922,7 @@
                 <a:spcPct val="100000"/>
               </a:lnSpc>
             </a:pPr>
-            <a:fld id="{3A7FEDE6-2F04-4B9F-96AC-21249AE843B4}" type="slidenum">
+            <a:fld id="{EE92B8E4-834C-4AAE-A0FB-D755BD6A0D08}" type="slidenum">
               <a:rPr b="0" lang="ru-RU" sz="1000" spc="-1" strike="noStrike">
                 <a:solidFill>
                   <a:srgbClr val="ffffff"/>
@@ -15947,7 +15947,7 @@
         <p:spPr>
           <a:xfrm>
             <a:off x="0" y="0"/>
-            <a:ext cx="12190320" cy="6882480"/>
+            <a:ext cx="12189960" cy="6882120"/>
           </a:xfrm>
           <a:prstGeom prst="rect">
             <a:avLst/>
@@ -15985,7 +15985,7 @@
         <p:spPr>
           <a:xfrm>
             <a:off x="0" y="0"/>
-            <a:ext cx="12190320" cy="6882480"/>
+            <a:ext cx="12189960" cy="6882120"/>
           </a:xfrm>
           <a:custGeom>
             <a:avLst/>
@@ -16051,8 +16051,8 @@
         </p:nvSpPr>
         <p:spPr>
           <a:xfrm flipV="1" rot="16200000">
-            <a:off x="2666520" y="-2664360"/>
-            <a:ext cx="6860880" cy="12190320"/>
+            <a:off x="2666880" y="-2664720"/>
+            <a:ext cx="6860520" cy="12189960"/>
           </a:xfrm>
           <a:custGeom>
             <a:avLst/>
@@ -16128,10 +16128,10 @@
         </p:nvGrpSpPr>
         <p:grpSpPr>
           <a:xfrm>
-            <a:off x="335160" y="-376200"/>
-            <a:ext cx="862200" cy="755280"/>
-            <a:chOff x="335160" y="-376200"/>
-            <a:chExt cx="862200" cy="755280"/>
+            <a:off x="334800" y="-375480"/>
+            <a:ext cx="862200" cy="754560"/>
+            <a:chOff x="334800" y="-375480"/>
+            <a:chExt cx="862200" cy="754560"/>
           </a:xfrm>
         </p:grpSpPr>
         <p:sp>
@@ -16142,8 +16142,8 @@
           </p:nvSpPr>
           <p:spPr>
             <a:xfrm rot="18900000">
-              <a:off x="552960" y="-265320"/>
-              <a:ext cx="533880" cy="533880"/>
+              <a:off x="552600" y="-264600"/>
+              <a:ext cx="533520" cy="533520"/>
             </a:xfrm>
             <a:custGeom>
               <a:avLst/>
@@ -16197,8 +16197,8 @@
           </p:nvSpPr>
           <p:spPr>
             <a:xfrm flipH="1" rot="2700000">
-              <a:off x="441720" y="-257040"/>
-              <a:ext cx="515880" cy="516240"/>
+              <a:off x="441360" y="-256680"/>
+              <a:ext cx="515880" cy="515880"/>
             </a:xfrm>
             <a:custGeom>
               <a:avLst/>
@@ -16517,7 +16517,7 @@
         <p:spPr>
           <a:xfrm>
             <a:off x="0" y="0"/>
-            <a:ext cx="12190320" cy="6856200"/>
+            <a:ext cx="12189960" cy="6855840"/>
           </a:xfrm>
           <a:prstGeom prst="rect">
             <a:avLst/>
@@ -16555,7 +16555,7 @@
         <p:spPr>
           <a:xfrm>
             <a:off x="0" y="0"/>
-            <a:ext cx="12190320" cy="6856200"/>
+            <a:ext cx="12189960" cy="6855840"/>
           </a:xfrm>
           <a:custGeom>
             <a:avLst/>
@@ -16621,8 +16621,8 @@
         </p:nvSpPr>
         <p:spPr>
           <a:xfrm flipV="1" rot="16200000">
-            <a:off x="2966760" y="-2364120"/>
-            <a:ext cx="6860880" cy="11589840"/>
+            <a:off x="2967120" y="-2364480"/>
+            <a:ext cx="6860520" cy="11589480"/>
           </a:xfrm>
           <a:custGeom>
             <a:avLst/>
@@ -16700,8 +16700,8 @@
         </p:nvSpPr>
         <p:spPr>
           <a:xfrm flipV="1" rot="16200000">
-            <a:off x="2666520" y="-2669040"/>
-            <a:ext cx="6860880" cy="12190320"/>
+            <a:off x="2666880" y="-2669400"/>
+            <a:ext cx="6860520" cy="12189960"/>
           </a:xfrm>
           <a:custGeom>
             <a:avLst/>
@@ -16779,8 +16779,8 @@
         </p:nvSpPr>
         <p:spPr>
           <a:xfrm flipV="1" rot="16200000">
-            <a:off x="2666520" y="-2669040"/>
-            <a:ext cx="6860880" cy="12190320"/>
+            <a:off x="2666880" y="-2669400"/>
+            <a:ext cx="6860520" cy="12189960"/>
           </a:xfrm>
           <a:custGeom>
             <a:avLst/>
@@ -16857,7 +16857,7 @@
         <p:spPr>
           <a:xfrm>
             <a:off x="444600" y="542880"/>
-            <a:ext cx="11212200" cy="528120"/>
+            <a:ext cx="11211840" cy="528120"/>
           </a:xfrm>
           <a:prstGeom prst="rect">
             <a:avLst/>
@@ -16907,10 +16907,10 @@
         </p:nvGrpSpPr>
         <p:grpSpPr>
           <a:xfrm>
-            <a:off x="335160" y="-376200"/>
-            <a:ext cx="862200" cy="755280"/>
-            <a:chOff x="335160" y="-376200"/>
-            <a:chExt cx="862200" cy="755280"/>
+            <a:off x="334800" y="-375480"/>
+            <a:ext cx="862200" cy="754560"/>
+            <a:chOff x="334800" y="-375480"/>
+            <a:chExt cx="862200" cy="754560"/>
           </a:xfrm>
         </p:grpSpPr>
         <p:sp>
@@ -16921,8 +16921,8 @@
           </p:nvSpPr>
           <p:spPr>
             <a:xfrm rot="18900000">
-              <a:off x="552960" y="-265320"/>
-              <a:ext cx="533880" cy="533880"/>
+              <a:off x="552600" y="-264600"/>
+              <a:ext cx="533520" cy="533520"/>
             </a:xfrm>
             <a:custGeom>
               <a:avLst/>
@@ -16976,8 +16976,8 @@
           </p:nvSpPr>
           <p:spPr>
             <a:xfrm flipH="1" rot="2700000">
-              <a:off x="441720" y="-257040"/>
-              <a:ext cx="515880" cy="516240"/>
+              <a:off x="441360" y="-256680"/>
+              <a:ext cx="515880" cy="515880"/>
             </a:xfrm>
             <a:custGeom>
               <a:avLst/>
@@ -17035,10 +17035,10 @@
         </p:nvGrpSpPr>
         <p:grpSpPr>
           <a:xfrm>
-            <a:off x="0" y="1354320"/>
-            <a:ext cx="12190320" cy="4844520"/>
-            <a:chOff x="0" y="1354320"/>
-            <a:chExt cx="12190320" cy="4844520"/>
+            <a:off x="0" y="1353600"/>
+            <a:ext cx="12189960" cy="4844160"/>
+            <a:chOff x="0" y="1353600"/>
+            <a:chExt cx="12189960" cy="4844160"/>
           </a:xfrm>
         </p:grpSpPr>
         <p:sp>
@@ -17049,8 +17049,8 @@
           </p:nvSpPr>
           <p:spPr>
             <a:xfrm flipV="1">
-              <a:off x="0" y="1353600"/>
-              <a:ext cx="12190320" cy="4844520"/>
+              <a:off x="0" y="1353240"/>
+              <a:ext cx="12189960" cy="4844160"/>
             </a:xfrm>
             <a:prstGeom prst="snip1Rect">
               <a:avLst>
@@ -17092,8 +17092,8 @@
           </p:nvSpPr>
           <p:spPr>
             <a:xfrm flipV="1">
-              <a:off x="0" y="1353600"/>
-              <a:ext cx="12190320" cy="4844520"/>
+              <a:off x="0" y="1353240"/>
+              <a:ext cx="12189960" cy="4844160"/>
             </a:xfrm>
             <a:prstGeom prst="snip1Rect">
               <a:avLst>
@@ -17134,7 +17134,7 @@
         <p:spPr>
           <a:xfrm flipH="1">
             <a:off x="10780200" y="5448240"/>
-            <a:ext cx="1407960" cy="1407960"/>
+            <a:ext cx="1407600" cy="1407600"/>
           </a:xfrm>
           <a:custGeom>
             <a:avLst/>
@@ -17192,7 +17192,7 @@
         <p:spPr>
           <a:xfrm>
             <a:off x="11252160" y="6315120"/>
-            <a:ext cx="404640" cy="363240"/>
+            <a:ext cx="404280" cy="362880"/>
           </a:xfrm>
           <a:prstGeom prst="rect">
             <a:avLst/>
@@ -17218,7 +17218,7 @@
                 <a:spcPct val="100000"/>
               </a:lnSpc>
             </a:pPr>
-            <a:fld id="{6172FCDC-3E66-4CB0-8168-6483129AE8E9}" type="slidenum">
+            <a:fld id="{4F37E9B3-359F-4346-A8F1-C1A3094C228E}" type="slidenum">
               <a:rPr b="0" lang="ru-RU" sz="1000" spc="-1" strike="noStrike">
                 <a:solidFill>
                   <a:srgbClr val="ffffff"/>
@@ -17243,7 +17243,7 @@
         <p:spPr>
           <a:xfrm>
             <a:off x="0" y="0"/>
-            <a:ext cx="12190320" cy="6856200"/>
+            <a:ext cx="12189960" cy="6855840"/>
           </a:xfrm>
           <a:prstGeom prst="rect">
             <a:avLst/>
@@ -17279,7 +17279,7 @@
         <p:spPr>
           <a:xfrm flipH="1">
             <a:off x="-18360" y="0"/>
-            <a:ext cx="12206520" cy="6856200"/>
+            <a:ext cx="12206160" cy="6855840"/>
           </a:xfrm>
           <a:custGeom>
             <a:avLst/>
@@ -17351,8 +17351,8 @@
         </p:nvSpPr>
         <p:spPr>
           <a:xfrm flipH="1" flipV="1" rot="5400000">
-            <a:off x="2667240" y="-2669040"/>
-            <a:ext cx="6856200" cy="12190320"/>
+            <a:off x="2666880" y="-2669040"/>
+            <a:ext cx="6855840" cy="12189960"/>
           </a:xfrm>
           <a:custGeom>
             <a:avLst/>
@@ -17436,8 +17436,8 @@
         </p:nvSpPr>
         <p:spPr>
           <a:xfrm flipH="1" flipV="1" rot="5400000">
-            <a:off x="2667240" y="-2669040"/>
-            <a:ext cx="6856200" cy="12190320"/>
+            <a:off x="2666880" y="-2669040"/>
+            <a:ext cx="6855840" cy="12189960"/>
           </a:xfrm>
           <a:custGeom>
             <a:avLst/>
@@ -17519,8 +17519,8 @@
         </p:nvSpPr>
         <p:spPr>
           <a:xfrm rot="13500000">
-            <a:off x="-728280" y="-1213200"/>
-            <a:ext cx="6041880" cy="8425440"/>
+            <a:off x="-727920" y="-1212840"/>
+            <a:ext cx="6041520" cy="8425080"/>
           </a:xfrm>
           <a:custGeom>
             <a:avLst/>
@@ -17580,8 +17580,8 @@
         </p:nvSpPr>
         <p:spPr>
           <a:xfrm rot="13500000">
-            <a:off x="-1143720" y="-2121120"/>
-            <a:ext cx="6041880" cy="9007200"/>
+            <a:off x="-1143360" y="-2120400"/>
+            <a:ext cx="6041520" cy="9006840"/>
           </a:xfrm>
           <a:custGeom>
             <a:avLst/>
@@ -17644,8 +17644,8 @@
         </p:nvSpPr>
         <p:spPr>
           <a:xfrm flipH="1" rot="18900000">
-            <a:off x="-2680920" y="-465840"/>
-            <a:ext cx="8637840" cy="5738040"/>
+            <a:off x="-2681280" y="-465480"/>
+            <a:ext cx="8637840" cy="5737320"/>
           </a:xfrm>
           <a:custGeom>
             <a:avLst/>
@@ -17967,7 +17967,7 @@
         <p:spPr>
           <a:xfrm>
             <a:off x="2664000" y="2016000"/>
-            <a:ext cx="7065720" cy="1366920"/>
+            <a:ext cx="7065360" cy="1366560"/>
           </a:xfrm>
           <a:prstGeom prst="rect">
             <a:avLst/>
@@ -18018,7 +18018,7 @@
         <p:spPr>
           <a:xfrm>
             <a:off x="1851120" y="504000"/>
-            <a:ext cx="8299800" cy="574920"/>
+            <a:ext cx="8299440" cy="574560"/>
           </a:xfrm>
           <a:prstGeom prst="rect">
             <a:avLst/>
@@ -18101,7 +18101,7 @@
         <p:spPr>
           <a:xfrm>
             <a:off x="2664000" y="3456000"/>
-            <a:ext cx="7558920" cy="2230920"/>
+            <a:ext cx="7558560" cy="2230560"/>
           </a:xfrm>
           <a:prstGeom prst="rect">
             <a:avLst/>
@@ -18131,7 +18131,7 @@
               </a:tabLst>
             </a:pPr>
             <a:r>
-              <a:rPr b="0" lang="ru-RU" sz="2000" spc="290" strike="noStrike">
+              <a:rPr b="0" lang="ru-RU" sz="2000" spc="287" strike="noStrike">
                 <a:solidFill>
                   <a:srgbClr val="ffffff"/>
                 </a:solidFill>
@@ -18154,7 +18154,7 @@
               </a:tabLst>
             </a:pPr>
             <a:r>
-              <a:rPr b="0" lang="ru-RU" sz="2000" spc="290" strike="noStrike">
+              <a:rPr b="0" lang="ru-RU" sz="2000" spc="287" strike="noStrike">
                 <a:solidFill>
                   <a:srgbClr val="ffffff"/>
                 </a:solidFill>
@@ -18177,7 +18177,7 @@
               </a:tabLst>
             </a:pPr>
             <a:r>
-              <a:rPr b="0" lang="ru-RU" sz="2000" spc="290" strike="noStrike">
+              <a:rPr b="0" lang="ru-RU" sz="2000" spc="287" strike="noStrike">
                 <a:solidFill>
                   <a:srgbClr val="ffffff"/>
                 </a:solidFill>
@@ -18200,7 +18200,7 @@
               </a:tabLst>
             </a:pPr>
             <a:r>
-              <a:rPr b="0" lang="ru-RU" sz="2000" spc="290" strike="noStrike">
+              <a:rPr b="0" lang="ru-RU" sz="2000" spc="287" strike="noStrike">
                 <a:solidFill>
                   <a:srgbClr val="ffffff"/>
                 </a:solidFill>
@@ -18224,7 +18224,7 @@
         <p:spPr>
           <a:xfrm>
             <a:off x="1800000" y="6120000"/>
-            <a:ext cx="8299800" cy="430920"/>
+            <a:ext cx="8299440" cy="430560"/>
           </a:xfrm>
           <a:prstGeom prst="rect">
             <a:avLst/>
@@ -18311,7 +18311,7 @@
         <p:spPr>
           <a:xfrm>
             <a:off x="444600" y="542880"/>
-            <a:ext cx="11212200" cy="533880"/>
+            <a:ext cx="11211840" cy="533520"/>
           </a:xfrm>
           <a:prstGeom prst="rect">
             <a:avLst/>
@@ -18362,7 +18362,7 @@
         <p:spPr>
           <a:xfrm>
             <a:off x="444600" y="1625400"/>
-            <a:ext cx="11002320" cy="4091400"/>
+            <a:ext cx="11001960" cy="4091040"/>
           </a:xfrm>
           <a:prstGeom prst="rect">
             <a:avLst/>
@@ -18383,7 +18383,7 @@
             <a:noAutofit/>
           </a:bodyPr>
           <a:p>
-            <a:pPr marL="228600" indent="-226800">
+            <a:pPr marL="228600" indent="-226440">
               <a:lnSpc>
                 <a:spcPct val="100000"/>
               </a:lnSpc>
@@ -18424,7 +18424,7 @@
             </a:endParaRPr>
           </a:p>
           <a:p>
-            <a:pPr marL="228600" indent="-226800">
+            <a:pPr marL="228600" indent="-226440">
               <a:lnSpc>
                 <a:spcPct val="100000"/>
               </a:lnSpc>
@@ -18485,7 +18485,7 @@
             </a:endParaRPr>
           </a:p>
           <a:p>
-            <a:pPr marL="228600" indent="-226800">
+            <a:pPr marL="228600" indent="-226440">
               <a:lnSpc>
                 <a:spcPct val="100000"/>
               </a:lnSpc>
@@ -18526,7 +18526,7 @@
             </a:endParaRPr>
           </a:p>
           <a:p>
-            <a:pPr marL="228600" indent="-226800">
+            <a:pPr marL="228600" indent="-226440">
               <a:lnSpc>
                 <a:spcPct val="100000"/>
               </a:lnSpc>
@@ -18567,7 +18567,7 @@
             </a:endParaRPr>
           </a:p>
           <a:p>
-            <a:pPr marL="228600" indent="-226800">
+            <a:pPr marL="228600" indent="-226440">
               <a:lnSpc>
                 <a:spcPct val="100000"/>
               </a:lnSpc>
@@ -18608,7 +18608,7 @@
             </a:endParaRPr>
           </a:p>
           <a:p>
-            <a:pPr marL="228600" indent="-226800">
+            <a:pPr marL="228600" indent="-226440">
               <a:lnSpc>
                 <a:spcPct val="100000"/>
               </a:lnSpc>
@@ -18659,7 +18659,7 @@
         <p:spPr>
           <a:xfrm>
             <a:off x="11252160" y="6315120"/>
-            <a:ext cx="404640" cy="363240"/>
+            <a:ext cx="404280" cy="362880"/>
           </a:xfrm>
           <a:prstGeom prst="rect">
             <a:avLst/>
@@ -18685,7 +18685,7 @@
                 <a:spcPct val="100000"/>
               </a:lnSpc>
             </a:pPr>
-            <a:fld id="{886173A0-02FD-483F-8300-2A2089B57FDF}" type="slidenum">
+            <a:fld id="{458BED45-E083-4464-8649-33D2BB3728A0}" type="slidenum">
               <a:rPr b="0" lang="ru-RU" sz="1500" spc="-1" strike="noStrike">
                 <a:solidFill>
                   <a:srgbClr val="ffffff"/>
@@ -18740,7 +18740,7 @@
         <p:spPr>
           <a:xfrm>
             <a:off x="444600" y="542880"/>
-            <a:ext cx="11212200" cy="533880"/>
+            <a:ext cx="11211840" cy="533520"/>
           </a:xfrm>
           <a:prstGeom prst="rect">
             <a:avLst/>
@@ -18791,7 +18791,7 @@
         <p:spPr>
           <a:xfrm>
             <a:off x="444600" y="1625400"/>
-            <a:ext cx="6716520" cy="4091400"/>
+            <a:ext cx="6716160" cy="4091040"/>
           </a:xfrm>
           <a:prstGeom prst="rect">
             <a:avLst/>
@@ -18812,7 +18812,7 @@
             <a:noAutofit/>
           </a:bodyPr>
           <a:p>
-            <a:pPr marL="228600" indent="-226800">
+            <a:pPr marL="228600" indent="-226440">
               <a:lnSpc>
                 <a:spcPct val="100000"/>
               </a:lnSpc>
@@ -18843,7 +18843,7 @@
             </a:endParaRPr>
           </a:p>
           <a:p>
-            <a:pPr marL="228600" indent="-226800">
+            <a:pPr marL="228600" indent="-226440">
               <a:lnSpc>
                 <a:spcPct val="100000"/>
               </a:lnSpc>
@@ -18874,7 +18874,7 @@
             </a:endParaRPr>
           </a:p>
           <a:p>
-            <a:pPr marL="228600" indent="-226800">
+            <a:pPr marL="228600" indent="-226440">
               <a:lnSpc>
                 <a:spcPct val="100000"/>
               </a:lnSpc>
@@ -18905,7 +18905,7 @@
             </a:endParaRPr>
           </a:p>
           <a:p>
-            <a:pPr marL="228600" indent="-226800">
+            <a:pPr marL="228600" indent="-226440">
               <a:lnSpc>
                 <a:spcPct val="100000"/>
               </a:lnSpc>
@@ -18936,7 +18936,7 @@
             </a:endParaRPr>
           </a:p>
           <a:p>
-            <a:pPr marL="228600" indent="-226800">
+            <a:pPr marL="228600" indent="-226440">
               <a:lnSpc>
                 <a:spcPct val="100000"/>
               </a:lnSpc>
@@ -18977,7 +18977,7 @@
         <p:spPr>
           <a:xfrm>
             <a:off x="11252160" y="6315120"/>
-            <a:ext cx="404640" cy="363240"/>
+            <a:ext cx="404280" cy="362880"/>
           </a:xfrm>
           <a:prstGeom prst="rect">
             <a:avLst/>
@@ -19003,7 +19003,7 @@
                 <a:spcPct val="100000"/>
               </a:lnSpc>
             </a:pPr>
-            <a:fld id="{20FAFE0E-21CB-4643-B1DC-7CD38EE31A52}" type="slidenum">
+            <a:fld id="{7B9DD829-0E8D-4B9A-A61C-24A7314CEC71}" type="slidenum">
               <a:rPr b="0" lang="ru-RU" sz="1500" spc="-1" strike="noStrike">
                 <a:solidFill>
                   <a:srgbClr val="ffffff"/>
@@ -19032,7 +19032,7 @@
         <p:spPr>
           <a:xfrm>
             <a:off x="7531920" y="1368000"/>
-            <a:ext cx="4347360" cy="4679280"/>
+            <a:ext cx="4347000" cy="4678920"/>
           </a:xfrm>
           <a:prstGeom prst="rect">
             <a:avLst/>
@@ -19081,7 +19081,7 @@
         <p:spPr>
           <a:xfrm>
             <a:off x="211680" y="366120"/>
-            <a:ext cx="7779600" cy="857160"/>
+            <a:ext cx="7779240" cy="856800"/>
           </a:xfrm>
           <a:prstGeom prst="rect">
             <a:avLst/>
@@ -19132,7 +19132,7 @@
         <p:spPr>
           <a:xfrm>
             <a:off x="11252160" y="6315120"/>
-            <a:ext cx="404640" cy="363240"/>
+            <a:ext cx="404280" cy="362880"/>
           </a:xfrm>
           <a:prstGeom prst="rect">
             <a:avLst/>
@@ -19158,7 +19158,7 @@
                 <a:spcPct val="100000"/>
               </a:lnSpc>
             </a:pPr>
-            <a:fld id="{044B3BE7-0446-44EF-B879-4EA16B7AF286}" type="slidenum">
+            <a:fld id="{967E4A9E-E663-4648-8790-900C7F5B01DC}" type="slidenum">
               <a:rPr b="0" lang="ru-RU" sz="1500" spc="-1" strike="noStrike">
                 <a:solidFill>
                   <a:srgbClr val="ffffff"/>
@@ -19187,7 +19187,7 @@
         <p:spPr>
           <a:xfrm>
             <a:off x="6543000" y="3351960"/>
-            <a:ext cx="4616640" cy="3055680"/>
+            <a:ext cx="4616280" cy="3055320"/>
           </a:xfrm>
           <a:prstGeom prst="rect">
             <a:avLst/>
@@ -19210,7 +19210,7 @@
         <p:spPr>
           <a:xfrm>
             <a:off x="249840" y="3744000"/>
-            <a:ext cx="5437800" cy="2663640"/>
+            <a:ext cx="5437440" cy="2663280"/>
           </a:xfrm>
           <a:prstGeom prst="rect">
             <a:avLst/>
@@ -19229,7 +19229,7 @@
         <p:spPr>
           <a:xfrm>
             <a:off x="444600" y="1368000"/>
-            <a:ext cx="6716520" cy="1943640"/>
+            <a:ext cx="6716160" cy="1943280"/>
           </a:xfrm>
           <a:prstGeom prst="rect">
             <a:avLst/>
@@ -19250,7 +19250,7 @@
             <a:noAutofit/>
           </a:bodyPr>
           <a:p>
-            <a:pPr marL="228600" indent="-226800">
+            <a:pPr marL="228600" indent="-226440">
               <a:lnSpc>
                 <a:spcPct val="100000"/>
               </a:lnSpc>
@@ -19281,7 +19281,7 @@
             </a:endParaRPr>
           </a:p>
           <a:p>
-            <a:pPr marL="228600" indent="-226800">
+            <a:pPr marL="228600" indent="-226440">
               <a:lnSpc>
                 <a:spcPct val="100000"/>
               </a:lnSpc>
@@ -19312,7 +19312,7 @@
             </a:endParaRPr>
           </a:p>
           <a:p>
-            <a:pPr marL="228600" indent="-226800">
+            <a:pPr marL="228600" indent="-226440">
               <a:lnSpc>
                 <a:spcPct val="100000"/>
               </a:lnSpc>
@@ -19343,7 +19343,7 @@
             </a:endParaRPr>
           </a:p>
           <a:p>
-            <a:pPr marL="228600" indent="-226800">
+            <a:pPr marL="228600" indent="-226440">
               <a:lnSpc>
                 <a:spcPct val="100000"/>
               </a:lnSpc>
@@ -19414,7 +19414,7 @@
         <p:spPr>
           <a:xfrm>
             <a:off x="444600" y="542880"/>
-            <a:ext cx="11212200" cy="533880"/>
+            <a:ext cx="11211840" cy="533520"/>
           </a:xfrm>
           <a:prstGeom prst="rect">
             <a:avLst/>
@@ -19465,7 +19465,7 @@
         <p:spPr>
           <a:xfrm>
             <a:off x="444600" y="1625400"/>
-            <a:ext cx="6716520" cy="4091400"/>
+            <a:ext cx="6716160" cy="4091040"/>
           </a:xfrm>
           <a:prstGeom prst="rect">
             <a:avLst/>
@@ -19486,7 +19486,7 @@
             <a:noAutofit/>
           </a:bodyPr>
           <a:p>
-            <a:pPr marL="228600" indent="-226800">
+            <a:pPr marL="228600" indent="-226440">
               <a:lnSpc>
                 <a:spcPct val="100000"/>
               </a:lnSpc>
@@ -19517,7 +19517,7 @@
             </a:endParaRPr>
           </a:p>
           <a:p>
-            <a:pPr marL="228600" indent="-226800">
+            <a:pPr marL="228600" indent="-226440">
               <a:lnSpc>
                 <a:spcPct val="100000"/>
               </a:lnSpc>
@@ -19541,14 +19541,14 @@
                 <a:latin typeface="Calibri"/>
                 <a:ea typeface="DejaVu Sans"/>
               </a:rPr>
-              <a:t>не имеет какого-либо потока для приёма и отдачи блоков</a:t>
+              <a:t>передаёт данные в реестр, прикреплённый к объектам класса Bank</a:t>
             </a:r>
             <a:endParaRPr b="0" lang="ru-RU" sz="2000" spc="-1" strike="noStrike">
               <a:latin typeface="Arial"/>
             </a:endParaRPr>
           </a:p>
           <a:p>
-            <a:pPr marL="228600" indent="-226800">
+            <a:pPr marL="228600" indent="-226440">
               <a:lnSpc>
                 <a:spcPct val="100000"/>
               </a:lnSpc>
@@ -19579,7 +19579,7 @@
             </a:endParaRPr>
           </a:p>
           <a:p>
-            <a:pPr marL="228600" indent="-226800">
+            <a:pPr marL="228600" indent="-226440">
               <a:lnSpc>
                 <a:spcPct val="100000"/>
               </a:lnSpc>
@@ -19603,14 +19603,14 @@
                 <a:latin typeface="Calibri"/>
                 <a:ea typeface="DejaVu Sans"/>
               </a:rPr>
-              <a:t>не скомпилированна</a:t>
+              <a:t>порграмма не скомпилированна</a:t>
             </a:r>
             <a:endParaRPr b="0" lang="ru-RU" sz="2000" spc="-1" strike="noStrike">
               <a:latin typeface="Arial"/>
             </a:endParaRPr>
           </a:p>
           <a:p>
-            <a:pPr marL="228600" indent="-226800">
+            <a:pPr marL="228600" indent="-226440">
               <a:lnSpc>
                 <a:spcPct val="100000"/>
               </a:lnSpc>
@@ -19651,7 +19651,7 @@
         <p:spPr>
           <a:xfrm>
             <a:off x="11252160" y="6315120"/>
-            <a:ext cx="404640" cy="363240"/>
+            <a:ext cx="404280" cy="362880"/>
           </a:xfrm>
           <a:prstGeom prst="rect">
             <a:avLst/>
@@ -19677,7 +19677,7 @@
                 <a:spcPct val="100000"/>
               </a:lnSpc>
             </a:pPr>
-            <a:fld id="{6C9F17E4-9CB9-48A8-9594-E31BF036FAA5}" type="slidenum">
+            <a:fld id="{C9A3B28C-7E3C-4F59-A671-66441E847E28}" type="slidenum">
               <a:rPr b="0" lang="ru-RU" sz="1500" spc="-1" strike="noStrike">
                 <a:solidFill>
                   <a:srgbClr val="ffffff"/>
@@ -19706,7 +19706,7 @@
         <p:spPr>
           <a:xfrm>
             <a:off x="7056000" y="1296000"/>
-            <a:ext cx="4654440" cy="4104000"/>
+            <a:ext cx="4654080" cy="4103640"/>
           </a:xfrm>
           <a:prstGeom prst="rect">
             <a:avLst/>
@@ -19729,7 +19729,7 @@
         <p:spPr>
           <a:xfrm>
             <a:off x="576000" y="4752000"/>
-            <a:ext cx="2165400" cy="2016000"/>
+            <a:ext cx="2165040" cy="2015640"/>
           </a:xfrm>
           <a:prstGeom prst="rect">
             <a:avLst/>
@@ -19778,7 +19778,7 @@
         <p:spPr>
           <a:xfrm>
             <a:off x="444600" y="542880"/>
-            <a:ext cx="11212200" cy="533880"/>
+            <a:ext cx="11211840" cy="533520"/>
           </a:xfrm>
           <a:prstGeom prst="rect">
             <a:avLst/>
@@ -19829,7 +19829,7 @@
         <p:spPr>
           <a:xfrm>
             <a:off x="444600" y="1625400"/>
-            <a:ext cx="6716520" cy="4091400"/>
+            <a:ext cx="6716160" cy="4091040"/>
           </a:xfrm>
           <a:prstGeom prst="rect">
             <a:avLst/>
@@ -19850,7 +19850,7 @@
             <a:noAutofit/>
           </a:bodyPr>
           <a:p>
-            <a:pPr marL="228600" indent="-226800">
+            <a:pPr marL="228600" indent="-226440">
               <a:lnSpc>
                 <a:spcPct val="100000"/>
               </a:lnSpc>
@@ -19881,7 +19881,7 @@
             </a:endParaRPr>
           </a:p>
           <a:p>
-            <a:pPr marL="228600" indent="-226800">
+            <a:pPr marL="228600" indent="-226440">
               <a:lnSpc>
                 <a:spcPct val="100000"/>
               </a:lnSpc>
@@ -19912,7 +19912,7 @@
             </a:endParaRPr>
           </a:p>
           <a:p>
-            <a:pPr marL="228600" indent="-226800">
+            <a:pPr marL="228600" indent="-226440">
               <a:lnSpc>
                 <a:spcPct val="100000"/>
               </a:lnSpc>
@@ -19943,7 +19943,7 @@
             </a:endParaRPr>
           </a:p>
           <a:p>
-            <a:pPr marL="228600" indent="-226800">
+            <a:pPr marL="228600" indent="-226440">
               <a:lnSpc>
                 <a:spcPct val="100000"/>
               </a:lnSpc>
@@ -19974,7 +19974,7 @@
             </a:endParaRPr>
           </a:p>
           <a:p>
-            <a:pPr marL="228600" indent="-226800">
+            <a:pPr marL="228600" indent="-226440">
               <a:lnSpc>
                 <a:spcPct val="100000"/>
               </a:lnSpc>
@@ -19990,16 +19990,6 @@
               <a:buFont typeface="Arial"/>
               <a:buChar char="•"/>
             </a:pPr>
-            <a:r>
-              <a:rPr b="0" lang="ru-RU" sz="2000" spc="-1" strike="noStrike">
-                <a:solidFill>
-                  <a:srgbClr val="ffffff"/>
-                </a:solidFill>
-                <a:latin typeface="Calibri"/>
-                <a:ea typeface="DejaVu Sans"/>
-              </a:rPr>
-              <a:t>P.S.: наработки этого проекта будут использованны в дипломной работе</a:t>
-            </a:r>
             <a:endParaRPr b="0" lang="ru-RU" sz="2000" spc="-1" strike="noStrike">
               <a:latin typeface="Arial"/>
             </a:endParaRPr>
@@ -20015,7 +20005,7 @@
         <p:spPr>
           <a:xfrm>
             <a:off x="11252160" y="6315120"/>
-            <a:ext cx="404640" cy="363240"/>
+            <a:ext cx="404280" cy="362880"/>
           </a:xfrm>
           <a:prstGeom prst="rect">
             <a:avLst/>
@@ -20041,7 +20031,7 @@
                 <a:spcPct val="100000"/>
               </a:lnSpc>
             </a:pPr>
-            <a:fld id="{BD748D64-4133-4F3C-BAD0-40A8189C27A4}" type="slidenum">
+            <a:fld id="{466835AF-CB73-4F06-886A-189CDD2320E0}" type="slidenum">
               <a:rPr b="0" lang="ru-RU" sz="1500" spc="-1" strike="noStrike">
                 <a:solidFill>
                   <a:srgbClr val="ffffff"/>
@@ -20096,7 +20086,7 @@
         <p:spPr>
           <a:xfrm>
             <a:off x="6360120" y="3429000"/>
-            <a:ext cx="4943880" cy="1241640"/>
+            <a:ext cx="4943520" cy="1241280"/>
           </a:xfrm>
           <a:prstGeom prst="rect">
             <a:avLst/>
@@ -20147,7 +20137,7 @@
         <p:spPr>
           <a:xfrm>
             <a:off x="6192000" y="4680000"/>
-            <a:ext cx="4391640" cy="1511640"/>
+            <a:ext cx="4391280" cy="1511280"/>
           </a:xfrm>
           <a:prstGeom prst="rect">
             <a:avLst/>
